--- a/L4._Introduction_to_SpringFramework.pptx
+++ b/L4._Introduction_to_SpringFramework.pptx
@@ -278,7 +278,7 @@
           <a:p>
             <a:fld id="{57AB2CCF-6392-2341-9465-4940AB074509}" type="datetimeFigureOut">
               <a:rPr lang="en-US" smtClean="0"/>
-              <a:t>7/3/2018</a:t>
+              <a:t>7/6/2018</a:t>
             </a:fld>
             <a:endParaRPr lang="en-US"/>
           </a:p>
@@ -676,7 +676,7 @@
           <a:p>
             <a:fld id="{B89177DB-0FD5-FF41-B742-A09290095789}" type="datetimeFigureOut">
               <a:rPr lang="en-US" smtClean="0"/>
-              <a:t>7/3/2018</a:t>
+              <a:t>7/6/2018</a:t>
             </a:fld>
             <a:endParaRPr lang="en-US"/>
           </a:p>
@@ -846,7 +846,7 @@
           <a:p>
             <a:fld id="{B89177DB-0FD5-FF41-B742-A09290095789}" type="datetimeFigureOut">
               <a:rPr lang="en-US" smtClean="0"/>
-              <a:t>7/3/2018</a:t>
+              <a:t>7/6/2018</a:t>
             </a:fld>
             <a:endParaRPr lang="en-US"/>
           </a:p>
@@ -1026,7 +1026,7 @@
           <a:p>
             <a:fld id="{B89177DB-0FD5-FF41-B742-A09290095789}" type="datetimeFigureOut">
               <a:rPr lang="en-US" smtClean="0"/>
-              <a:t>7/3/2018</a:t>
+              <a:t>7/6/2018</a:t>
             </a:fld>
             <a:endParaRPr lang="en-US"/>
           </a:p>
@@ -1196,7 +1196,7 @@
           <a:p>
             <a:fld id="{B89177DB-0FD5-FF41-B742-A09290095789}" type="datetimeFigureOut">
               <a:rPr lang="en-US" smtClean="0"/>
-              <a:t>7/3/2018</a:t>
+              <a:t>7/6/2018</a:t>
             </a:fld>
             <a:endParaRPr lang="en-US"/>
           </a:p>
@@ -1442,7 +1442,7 @@
           <a:p>
             <a:fld id="{B89177DB-0FD5-FF41-B742-A09290095789}" type="datetimeFigureOut">
               <a:rPr lang="en-US" smtClean="0"/>
-              <a:t>7/3/2018</a:t>
+              <a:t>7/6/2018</a:t>
             </a:fld>
             <a:endParaRPr lang="en-US"/>
           </a:p>
@@ -1674,7 +1674,7 @@
           <a:p>
             <a:fld id="{B89177DB-0FD5-FF41-B742-A09290095789}" type="datetimeFigureOut">
               <a:rPr lang="en-US" smtClean="0"/>
-              <a:t>7/3/2018</a:t>
+              <a:t>7/6/2018</a:t>
             </a:fld>
             <a:endParaRPr lang="en-US"/>
           </a:p>
@@ -2041,7 +2041,7 @@
           <a:p>
             <a:fld id="{B89177DB-0FD5-FF41-B742-A09290095789}" type="datetimeFigureOut">
               <a:rPr lang="en-US" smtClean="0"/>
-              <a:t>7/3/2018</a:t>
+              <a:t>7/6/2018</a:t>
             </a:fld>
             <a:endParaRPr lang="en-US"/>
           </a:p>
@@ -2159,7 +2159,7 @@
           <a:p>
             <a:fld id="{B89177DB-0FD5-FF41-B742-A09290095789}" type="datetimeFigureOut">
               <a:rPr lang="en-US" smtClean="0"/>
-              <a:t>7/3/2018</a:t>
+              <a:t>7/6/2018</a:t>
             </a:fld>
             <a:endParaRPr lang="en-US"/>
           </a:p>
@@ -2254,7 +2254,7 @@
           <a:p>
             <a:fld id="{B89177DB-0FD5-FF41-B742-A09290095789}" type="datetimeFigureOut">
               <a:rPr lang="en-US" smtClean="0"/>
-              <a:t>7/3/2018</a:t>
+              <a:t>7/6/2018</a:t>
             </a:fld>
             <a:endParaRPr lang="en-US"/>
           </a:p>
@@ -2531,7 +2531,7 @@
           <a:p>
             <a:fld id="{B89177DB-0FD5-FF41-B742-A09290095789}" type="datetimeFigureOut">
               <a:rPr lang="en-US" smtClean="0"/>
-              <a:t>7/3/2018</a:t>
+              <a:t>7/6/2018</a:t>
             </a:fld>
             <a:endParaRPr lang="en-US"/>
           </a:p>
@@ -2788,7 +2788,7 @@
           <a:p>
             <a:fld id="{B89177DB-0FD5-FF41-B742-A09290095789}" type="datetimeFigureOut">
               <a:rPr lang="en-US" smtClean="0"/>
-              <a:t>7/3/2018</a:t>
+              <a:t>7/6/2018</a:t>
             </a:fld>
             <a:endParaRPr lang="en-US"/>
           </a:p>
@@ -3001,7 +3001,7 @@
           <a:p>
             <a:fld id="{B89177DB-0FD5-FF41-B742-A09290095789}" type="datetimeFigureOut">
               <a:rPr lang="en-US" smtClean="0"/>
-              <a:t>7/3/2018</a:t>
+              <a:t>7/6/2018</a:t>
             </a:fld>
             <a:endParaRPr lang="en-US"/>
           </a:p>
@@ -6074,7 +6074,19 @@
           <a:p>
             <a:r>
               <a:rPr lang="en-CA" sz="3200" dirty="0"/>
-              <a:t>Dependency injection can happen in the way of passing parameters to the constructor or by post-construction using setter methods.</a:t>
+              <a:t>Dependency injection can happen in the way of</a:t>
+            </a:r>
+          </a:p>
+          <a:p>
+            <a:r>
+              <a:rPr lang="en-CA" sz="3200" dirty="0"/>
+              <a:t> passing parameters to the constructor or by </a:t>
+            </a:r>
+          </a:p>
+          <a:p>
+            <a:r>
+              <a:rPr lang="en-CA" sz="3200" dirty="0"/>
+              <a:t>post-construction using setter methods.</a:t>
             </a:r>
             <a:endParaRPr lang="en-CA" dirty="0"/>
           </a:p>
@@ -6839,7 +6851,7 @@
         <p:spPr>
           <a:xfrm>
             <a:off x="838200" y="4204557"/>
-            <a:ext cx="8627427" cy="2455800"/>
+            <a:ext cx="8627427" cy="2878224"/>
           </a:xfrm>
           <a:prstGeom prst="rect">
             <a:avLst/>
@@ -7139,48 +7151,86 @@
                 <a:latin typeface="Arial"/>
                 <a:cs typeface="Arial"/>
               </a:rPr>
-              <a:t>{ </a:t>
-            </a:r>
-            <a:r>
-              <a:rPr sz="1500" spc="-20" dirty="0">
+              <a:t>{</a:t>
+            </a:r>
+            <a:endParaRPr lang="en-CA" sz="1500" dirty="0">
+              <a:solidFill>
+                <a:srgbClr val="333333"/>
+              </a:solidFill>
+              <a:latin typeface="Arial"/>
+              <a:cs typeface="Arial"/>
+            </a:endParaRPr>
+          </a:p>
+          <a:p>
+            <a:pPr marL="300355" marR="5080">
+              <a:lnSpc>
+                <a:spcPct val="183300"/>
+              </a:lnSpc>
+            </a:pPr>
+            <a:r>
+              <a:rPr sz="1500" dirty="0">
                 <a:solidFill>
                   <a:srgbClr val="333333"/>
                 </a:solidFill>
                 <a:latin typeface="Arial"/>
                 <a:cs typeface="Arial"/>
               </a:rPr>
-              <a:t>this.beanOne </a:t>
-            </a:r>
-            <a:r>
-              <a:rPr sz="1500" dirty="0">
+              <a:t> </a:t>
+            </a:r>
+            <a:r>
+              <a:rPr sz="1500" spc="-20" dirty="0">
                 <a:solidFill>
                   <a:srgbClr val="333333"/>
                 </a:solidFill>
                 <a:latin typeface="Arial"/>
                 <a:cs typeface="Arial"/>
               </a:rPr>
-              <a:t>= </a:t>
-            </a:r>
-            <a:r>
-              <a:rPr sz="1500" spc="-20" dirty="0">
+              <a:t>this.beanOne </a:t>
+            </a:r>
+            <a:r>
+              <a:rPr sz="1500" dirty="0">
                 <a:solidFill>
                   <a:srgbClr val="333333"/>
                 </a:solidFill>
                 <a:latin typeface="Arial"/>
                 <a:cs typeface="Arial"/>
               </a:rPr>
-              <a:t>beanOne; </a:t>
-            </a:r>
-            <a:r>
-              <a:rPr sz="1500" dirty="0">
+              <a:t>= </a:t>
+            </a:r>
+            <a:r>
+              <a:rPr sz="1500" spc="-20" dirty="0">
                 <a:solidFill>
                   <a:srgbClr val="333333"/>
                 </a:solidFill>
                 <a:latin typeface="Arial"/>
                 <a:cs typeface="Arial"/>
               </a:rPr>
+              <a:t>beanOne; </a:t>
+            </a:r>
+            <a:r>
+              <a:rPr sz="1500" dirty="0">
+                <a:solidFill>
+                  <a:srgbClr val="333333"/>
+                </a:solidFill>
+                <a:latin typeface="Arial"/>
+                <a:cs typeface="Arial"/>
+              </a:rPr>
               <a:t>}  </a:t>
             </a:r>
+            <a:endParaRPr lang="en-CA" sz="1500" dirty="0">
+              <a:solidFill>
+                <a:srgbClr val="333333"/>
+              </a:solidFill>
+              <a:latin typeface="Arial"/>
+              <a:cs typeface="Arial"/>
+            </a:endParaRPr>
+          </a:p>
+          <a:p>
+            <a:pPr marL="300355" marR="5080">
+              <a:lnSpc>
+                <a:spcPct val="183300"/>
+              </a:lnSpc>
+            </a:pPr>
             <a:r>
               <a:rPr sz="1500" spc="-30" dirty="0">
                 <a:solidFill>
@@ -8111,7 +8161,7 @@
         <p:spPr>
           <a:xfrm>
             <a:off x="990600" y="4050444"/>
-            <a:ext cx="9725346" cy="2510367"/>
+            <a:ext cx="9725346" cy="3012684"/>
           </a:xfrm>
           <a:prstGeom prst="rect">
             <a:avLst/>
@@ -8454,7 +8504,7 @@
                 <a:latin typeface="Courier New"/>
                 <a:cs typeface="Courier New"/>
               </a:rPr>
-              <a:t>, </a:t>
+              <a:t>, int </a:t>
             </a:r>
             <a:r>
               <a:rPr lang="en-CA" sz="1600" dirty="0" err="1">
@@ -8464,7 +8514,7 @@
                 <a:latin typeface="Courier New"/>
                 <a:cs typeface="Courier New"/>
               </a:rPr>
-              <a:t>int</a:t>
+              <a:t>i</a:t>
             </a:r>
             <a:r>
               <a:rPr lang="en-CA" sz="1600" dirty="0">
@@ -8474,27 +8524,24 @@
                 <a:latin typeface="Courier New"/>
                 <a:cs typeface="Courier New"/>
               </a:rPr>
-              <a:t> </a:t>
-            </a:r>
-            <a:r>
-              <a:rPr lang="en-CA" sz="1600" dirty="0" err="1">
+              <a:t> ) </a:t>
+            </a:r>
+          </a:p>
+          <a:p>
+            <a:pPr marL="599955" marR="4611" indent="-195951">
+              <a:lnSpc>
+                <a:spcPct val="101600"/>
+              </a:lnSpc>
+            </a:pPr>
+            <a:r>
+              <a:rPr lang="en-CA" sz="1600" dirty="0">
                 <a:solidFill>
                   <a:srgbClr val="333333"/>
                 </a:solidFill>
                 <a:latin typeface="Courier New"/>
                 <a:cs typeface="Courier New"/>
               </a:rPr>
-              <a:t>i</a:t>
-            </a:r>
-            <a:r>
-              <a:rPr lang="en-CA" sz="1600" dirty="0">
-                <a:solidFill>
-                  <a:srgbClr val="333333"/>
-                </a:solidFill>
-                <a:latin typeface="Courier New"/>
-                <a:cs typeface="Courier New"/>
-              </a:rPr>
-              <a:t> ) {</a:t>
+              <a:t>{</a:t>
             </a:r>
           </a:p>
           <a:p>
@@ -8543,6 +8590,13 @@
               </a:rPr>
               <a:t>;  </a:t>
             </a:r>
+          </a:p>
+          <a:p>
+            <a:pPr marL="599955" marR="3884437">
+              <a:lnSpc>
+                <a:spcPct val="101600"/>
+              </a:lnSpc>
+            </a:pPr>
             <a:r>
               <a:rPr lang="en-CA" sz="1600" dirty="0" err="1">
                 <a:solidFill>
@@ -8581,7 +8635,24 @@
                 <a:latin typeface="Courier New"/>
                 <a:cs typeface="Courier New"/>
               </a:rPr>
-              <a:t>;  </a:t>
+              <a:t>; </a:t>
+            </a:r>
+          </a:p>
+          <a:p>
+            <a:pPr marL="599955" marR="3884437">
+              <a:lnSpc>
+                <a:spcPct val="101600"/>
+              </a:lnSpc>
+            </a:pPr>
+            <a:r>
+              <a:rPr lang="en-CA" sz="1600" dirty="0">
+                <a:solidFill>
+                  <a:srgbClr val="333333"/>
+                </a:solidFill>
+                <a:latin typeface="Courier New"/>
+                <a:cs typeface="Courier New"/>
+              </a:rPr>
+              <a:t> </a:t>
             </a:r>
             <a:r>
               <a:rPr lang="en-CA" sz="1600" dirty="0" err="1">
@@ -9352,8 +9423,12 @@
           </a:p>
           <a:p>
             <a:r>
-              <a:rPr lang="en-CA" dirty="0"/>
-              <a:t>view resolver look out what view has being configured it has been JSP, Velocity, XML etc. based this configuration view has been prepared and the information from model i.e. POJO it will be put on the view and response will be send back to browser.</a:t>
+              <a:rPr lang="en-CA" b="1" dirty="0"/>
+              <a:t>view resolver </a:t>
+            </a:r>
+            <a:r>
+              <a:rPr lang="en-CA" dirty="0"/>
+              <a:t>look out what view has being configured it has been JSP, Velocity, XML etc. based this configuration view has been prepared and the information from model i.e. POJO it will be put on the view and response will be send back to browser.</a:t>
             </a:r>
             <a:endParaRPr lang="en-CA" b="1" dirty="0"/>
           </a:p>
@@ -10501,7 +10576,7 @@
         <p:spPr/>
         <p:txBody>
           <a:bodyPr>
-            <a:normAutofit/>
+            <a:normAutofit fontScale="77500" lnSpcReduction="20000"/>
           </a:bodyPr>
           <a:lstStyle/>
           <a:p>
@@ -10547,6 +10622,117 @@
               <a:rPr lang="en-CA" dirty="0"/>
               <a:t>Loosely coupled modules</a:t>
             </a:r>
+          </a:p>
+          <a:p>
+            <a:pPr fontAlgn="base"/>
+            <a:r>
+              <a:rPr lang="en-CA" dirty="0"/>
+              <a:t>Computers in a </a:t>
+            </a:r>
+            <a:r>
+              <a:rPr lang="en-CA" dirty="0">
+                <a:hlinkClick r:id="rId2"/>
+              </a:rPr>
+              <a:t>network</a:t>
+            </a:r>
+            <a:r>
+              <a:rPr lang="en-CA" dirty="0"/>
+              <a:t> are considered loose-coupled systems as a </a:t>
+            </a:r>
+            <a:r>
+              <a:rPr lang="en-CA" dirty="0">
+                <a:hlinkClick r:id="rId3"/>
+              </a:rPr>
+              <a:t>client</a:t>
+            </a:r>
+            <a:r>
+              <a:rPr lang="en-CA" dirty="0"/>
+              <a:t> machine may request data from the </a:t>
+            </a:r>
+            <a:r>
+              <a:rPr lang="en-CA" dirty="0">
+                <a:hlinkClick r:id="rId4"/>
+              </a:rPr>
+              <a:t>server</a:t>
+            </a:r>
+            <a:r>
+              <a:rPr lang="en-CA" dirty="0"/>
+              <a:t>, but the two systems also work independently of each other.</a:t>
+            </a:r>
+          </a:p>
+          <a:p>
+            <a:pPr fontAlgn="base"/>
+            <a:r>
+              <a:rPr lang="en-CA" b="1" i="1" dirty="0"/>
+              <a:t>(2)</a:t>
+            </a:r>
+            <a:r>
+              <a:rPr lang="en-CA" dirty="0"/>
+              <a:t> In software terminology, loosely coupled refers to software where </a:t>
+            </a:r>
+            <a:r>
+              <a:rPr lang="en-CA" dirty="0">
+                <a:hlinkClick r:id="rId5"/>
+              </a:rPr>
+              <a:t>routines</a:t>
+            </a:r>
+            <a:r>
+              <a:rPr lang="en-CA" dirty="0"/>
+              <a:t>, </a:t>
+            </a:r>
+            <a:r>
+              <a:rPr lang="en-CA" dirty="0">
+                <a:hlinkClick r:id="rId6"/>
+              </a:rPr>
+              <a:t>modules</a:t>
+            </a:r>
+            <a:r>
+              <a:rPr lang="en-CA" dirty="0"/>
+              <a:t>, </a:t>
+            </a:r>
+            <a:r>
+              <a:rPr lang="en-CA" dirty="0">
+                <a:hlinkClick r:id="rId6"/>
+              </a:rPr>
+              <a:t>functions</a:t>
+            </a:r>
+            <a:r>
+              <a:rPr lang="en-CA" dirty="0"/>
+              <a:t>, and similar components are </a:t>
+            </a:r>
+            <a:r>
+              <a:rPr lang="en-CA" dirty="0">
+                <a:hlinkClick r:id="rId7"/>
+              </a:rPr>
+              <a:t>executed</a:t>
+            </a:r>
+            <a:r>
+              <a:rPr lang="en-CA" dirty="0"/>
+              <a:t> only as needed, and do not run at the launch of the software application and while it is being used. </a:t>
+            </a:r>
+            <a:r>
+              <a:rPr lang="en-CA" dirty="0">
+                <a:hlinkClick r:id="rId8"/>
+              </a:rPr>
+              <a:t>Web </a:t>
+            </a:r>
+            <a:r>
+              <a:rPr lang="en-CA" dirty="0" err="1">
+                <a:hlinkClick r:id="rId8"/>
+              </a:rPr>
+              <a:t>services</a:t>
+            </a:r>
+            <a:r>
+              <a:rPr lang="en-CA" dirty="0" err="1"/>
+              <a:t>are</a:t>
+            </a:r>
+            <a:r>
+              <a:rPr lang="en-CA" dirty="0"/>
+              <a:t> a type of software application that uses loose coupling.</a:t>
+            </a:r>
+          </a:p>
+          <a:p>
+            <a:endParaRPr lang="en-CA" dirty="0"/>
           </a:p>
         </p:txBody>
       </p:sp>
